--- a/Notebooks/EngineeringNotebook/MS-PowerPoint-Files/tsWxGTUI_PyVx/UseCase_7_Source_Distributions.pptx
+++ b/Notebooks/EngineeringNotebook/MS-PowerPoint-Files/tsWxGTUI_PyVx/UseCase_7_Source_Distributions.pptx
@@ -291,7 +291,7 @@
               <a:pPr>
                 <a:defRPr/>
               </a:pPr>
-              <a:t>11/29/2015</a:t>
+              <a:t>12/23/2016</a:t>
             </a:fld>
             <a:endParaRPr lang="en-US"/>
           </a:p>
@@ -528,7 +528,7 @@
               <a:pPr>
                 <a:defRPr/>
               </a:pPr>
-              <a:t>11/29/2015</a:t>
+              <a:t>12/23/2016</a:t>
             </a:fld>
             <a:endParaRPr lang="en-US"/>
           </a:p>
@@ -600,35 +600,35 @@
           <a:p>
             <a:pPr lvl="0"/>
             <a:r>
-              <a:rPr lang="en-US" noProof="0" smtClean="0"/>
+              <a:rPr lang="en-US" noProof="0"/>
               <a:t>Click to edit Master text styles</a:t>
             </a:r>
           </a:p>
           <a:p>
             <a:pPr lvl="1"/>
             <a:r>
-              <a:rPr lang="en-US" noProof="0" smtClean="0"/>
+              <a:rPr lang="en-US" noProof="0"/>
               <a:t>Second level</a:t>
             </a:r>
           </a:p>
           <a:p>
             <a:pPr lvl="2"/>
             <a:r>
-              <a:rPr lang="en-US" noProof="0" smtClean="0"/>
+              <a:rPr lang="en-US" noProof="0"/>
               <a:t>Third level</a:t>
             </a:r>
           </a:p>
           <a:p>
             <a:pPr lvl="3"/>
             <a:r>
-              <a:rPr lang="en-US" noProof="0" smtClean="0"/>
+              <a:rPr lang="en-US" noProof="0"/>
               <a:t>Fourth level</a:t>
             </a:r>
           </a:p>
           <a:p>
             <a:pPr lvl="4"/>
             <a:r>
-              <a:rPr lang="en-US" noProof="0" smtClean="0"/>
+              <a:rPr lang="en-US" noProof="0"/>
               <a:t>Fifth level</a:t>
             </a:r>
           </a:p>
@@ -915,7 +915,7 @@
           <a:lstStyle/>
           <a:p>
             <a:pPr eaLnBrk="1" hangingPunct="1"/>
-            <a:endParaRPr lang="en-US" smtClean="0"/>
+            <a:endParaRPr lang="en-US"/>
           </a:p>
         </p:txBody>
       </p:sp>
@@ -982,7 +982,7 @@
           <a:lstStyle/>
           <a:p>
             <a:pPr eaLnBrk="1" hangingPunct="1"/>
-            <a:endParaRPr lang="en-US" smtClean="0"/>
+            <a:endParaRPr lang="en-US"/>
           </a:p>
         </p:txBody>
       </p:sp>
@@ -1049,7 +1049,7 @@
           <a:lstStyle/>
           <a:p>
             <a:pPr eaLnBrk="1" hangingPunct="1"/>
-            <a:endParaRPr lang="en-US" smtClean="0"/>
+            <a:endParaRPr lang="en-US"/>
           </a:p>
         </p:txBody>
       </p:sp>
@@ -1116,7 +1116,7 @@
           <a:lstStyle/>
           <a:p>
             <a:pPr eaLnBrk="1" hangingPunct="1"/>
-            <a:endParaRPr lang="en-US" smtClean="0"/>
+            <a:endParaRPr lang="en-US"/>
           </a:p>
         </p:txBody>
       </p:sp>
@@ -1575,7 +1575,7 @@
             </a:pPr>
             <a:fld id="{B5B52024-79AA-4062-8229-397D9E214550}" type="datetime1">
               <a:rPr lang="en-US" smtClean="0"/>
-              <a:t>11/29/2015</a:t>
+              <a:t>12/23/2016</a:t>
             </a:fld>
             <a:endParaRPr lang="en-US"/>
           </a:p>
@@ -1613,10 +1613,9 @@
               <a:defRPr/>
             </a:pPr>
             <a:r>
-              <a:rPr lang="en-US" dirty="0" smtClean="0"/>
+              <a:rPr lang="en-US" dirty="0"/>
               <a:t>TeamSTARS "tsWxGTUI_PyVx" Toolkit prepared &amp; presented by Richard S. Gordon</a:t>
             </a:r>
-            <a:endParaRPr lang="en-US" dirty="0"/>
           </a:p>
         </p:txBody>
       </p:sp>
@@ -1781,7 +1780,7 @@
             </a:pPr>
             <a:fld id="{5534B48B-48D4-4D1F-B98F-2ED8E1B04ED0}" type="datetime1">
               <a:rPr lang="en-US" smtClean="0"/>
-              <a:t>11/29/2015</a:t>
+              <a:t>12/23/2016</a:t>
             </a:fld>
             <a:endParaRPr lang="en-US"/>
           </a:p>
@@ -1812,10 +1811,9 @@
               <a:defRPr/>
             </a:pPr>
             <a:r>
-              <a:rPr lang="en-US" dirty="0" smtClean="0"/>
+              <a:rPr lang="en-US" dirty="0"/>
               <a:t>TeamSTARS "tsWxGTUI_PyVx" Toolkit prepared &amp; presented by Richard S. Gordon</a:t>
             </a:r>
-            <a:endParaRPr lang="en-US" dirty="0"/>
           </a:p>
         </p:txBody>
       </p:sp>
@@ -1983,7 +1981,7 @@
             </a:pPr>
             <a:fld id="{C3557E2B-7DD4-4DCF-9DDD-7786167218C6}" type="datetime1">
               <a:rPr lang="en-US" smtClean="0"/>
-              <a:t>11/29/2015</a:t>
+              <a:t>12/23/2016</a:t>
             </a:fld>
             <a:endParaRPr lang="en-US"/>
           </a:p>
@@ -2014,10 +2012,9 @@
               <a:defRPr/>
             </a:pPr>
             <a:r>
-              <a:rPr lang="en-US" dirty="0" smtClean="0"/>
+              <a:rPr lang="en-US" dirty="0"/>
               <a:t>TeamSTARS "tsWxGTUI_PyVx" Toolkit prepared &amp; presented by Richard S. Gordon</a:t>
             </a:r>
-            <a:endParaRPr lang="en-US" dirty="0"/>
           </a:p>
         </p:txBody>
       </p:sp>
@@ -2175,7 +2172,7 @@
             </a:pPr>
             <a:fld id="{65B11A62-63AA-4067-ACEB-AA6A42CE3A38}" type="datetime1">
               <a:rPr lang="en-US" smtClean="0"/>
-              <a:t>11/29/2015</a:t>
+              <a:t>12/23/2016</a:t>
             </a:fld>
             <a:endParaRPr lang="en-US"/>
           </a:p>
@@ -2206,10 +2203,9 @@
               <a:defRPr/>
             </a:pPr>
             <a:r>
-              <a:rPr lang="en-US" dirty="0" smtClean="0"/>
+              <a:rPr lang="en-US" dirty="0"/>
               <a:t>TeamSTARS "tsWxGTUI_PyVx" Toolkit prepared &amp; presented by Richard S. Gordon</a:t>
             </a:r>
-            <a:endParaRPr lang="en-US" dirty="0"/>
           </a:p>
         </p:txBody>
       </p:sp>
@@ -2390,7 +2386,7 @@
             </a:pPr>
             <a:fld id="{013FB6F9-CFEF-47AA-A08B-D90CED01DE9A}" type="datetime1">
               <a:rPr lang="en-US" smtClean="0"/>
-              <a:t>11/29/2015</a:t>
+              <a:t>12/23/2016</a:t>
             </a:fld>
             <a:endParaRPr lang="en-US"/>
           </a:p>
@@ -2421,10 +2417,9 @@
               <a:defRPr/>
             </a:pPr>
             <a:r>
-              <a:rPr lang="en-US" dirty="0" smtClean="0"/>
+              <a:rPr lang="en-US" dirty="0"/>
               <a:t>TeamSTARS "tsWxGTUI_PyVx" Toolkit prepared &amp; presented by Richard S. Gordon</a:t>
             </a:r>
-            <a:endParaRPr lang="en-US" dirty="0"/>
           </a:p>
         </p:txBody>
       </p:sp>
@@ -2699,7 +2694,7 @@
             </a:pPr>
             <a:fld id="{44D06F95-D493-494F-B0EB-3EDFAA385886}" type="datetime1">
               <a:rPr lang="en-US" smtClean="0"/>
-              <a:t>11/29/2015</a:t>
+              <a:t>12/23/2016</a:t>
             </a:fld>
             <a:endParaRPr lang="en-US"/>
           </a:p>
@@ -2730,10 +2725,9 @@
               <a:defRPr/>
             </a:pPr>
             <a:r>
-              <a:rPr lang="en-US" dirty="0" smtClean="0"/>
+              <a:rPr lang="en-US" dirty="0"/>
               <a:t>TeamSTARS "tsWxGTUI_PyVx" Toolkit prepared &amp; presented by Richard S. Gordon</a:t>
             </a:r>
-            <a:endParaRPr lang="en-US" dirty="0"/>
           </a:p>
         </p:txBody>
       </p:sp>
@@ -3147,7 +3141,7 @@
             </a:pPr>
             <a:fld id="{26FA81D3-96E1-4758-9306-72CE9F6E2F25}" type="datetime1">
               <a:rPr lang="en-US" smtClean="0"/>
-              <a:t>11/29/2015</a:t>
+              <a:t>12/23/2016</a:t>
             </a:fld>
             <a:endParaRPr lang="en-US"/>
           </a:p>
@@ -3178,10 +3172,9 @@
               <a:defRPr/>
             </a:pPr>
             <a:r>
-              <a:rPr lang="en-US" dirty="0" smtClean="0"/>
+              <a:rPr lang="en-US" dirty="0"/>
               <a:t>TeamSTARS "tsWxGTUI_PyVx" Toolkit prepared &amp; presented by Richard S. Gordon</a:t>
             </a:r>
-            <a:endParaRPr lang="en-US" dirty="0"/>
           </a:p>
         </p:txBody>
       </p:sp>
@@ -3288,7 +3281,7 @@
             </a:pPr>
             <a:fld id="{C22C02A3-FDB2-4B02-8110-311DDD8475C2}" type="datetime1">
               <a:rPr lang="en-US" smtClean="0"/>
-              <a:t>11/29/2015</a:t>
+              <a:t>12/23/2016</a:t>
             </a:fld>
             <a:endParaRPr lang="en-US"/>
           </a:p>
@@ -3319,10 +3312,9 @@
               <a:defRPr/>
             </a:pPr>
             <a:r>
-              <a:rPr lang="en-US" dirty="0" smtClean="0"/>
+              <a:rPr lang="en-US" dirty="0"/>
               <a:t>TeamSTARS "tsWxGTUI_PyVx" Toolkit prepared &amp; presented by Richard S. Gordon</a:t>
             </a:r>
-            <a:endParaRPr lang="en-US" dirty="0"/>
           </a:p>
         </p:txBody>
       </p:sp>
@@ -3405,7 +3397,7 @@
             </a:pPr>
             <a:fld id="{FB277746-3C8E-4161-A66B-B97D4FD5213A}" type="datetime1">
               <a:rPr lang="en-US" smtClean="0"/>
-              <a:t>11/29/2015</a:t>
+              <a:t>12/23/2016</a:t>
             </a:fld>
             <a:endParaRPr lang="en-US"/>
           </a:p>
@@ -3699,7 +3691,7 @@
             </a:pPr>
             <a:fld id="{86B778C6-FEB5-4910-BBA7-BBA76466D3B2}" type="datetime1">
               <a:rPr lang="en-US" smtClean="0"/>
-              <a:t>11/29/2015</a:t>
+              <a:t>12/23/2016</a:t>
             </a:fld>
             <a:endParaRPr lang="en-US"/>
           </a:p>
@@ -3730,10 +3722,9 @@
               <a:defRPr/>
             </a:pPr>
             <a:r>
-              <a:rPr lang="en-US" dirty="0" smtClean="0"/>
+              <a:rPr lang="en-US" dirty="0"/>
               <a:t>TeamSTARS "tsWxGTUI_PyVx" Toolkit prepared &amp; presented by Richard S. Gordon</a:t>
             </a:r>
-            <a:endParaRPr lang="en-US" dirty="0"/>
           </a:p>
         </p:txBody>
       </p:sp>
@@ -3976,7 +3967,7 @@
             </a:pPr>
             <a:fld id="{7A68BEE5-7335-4799-9F53-F65CFD274630}" type="datetime1">
               <a:rPr lang="en-US" smtClean="0"/>
-              <a:t>11/29/2015</a:t>
+              <a:t>12/23/2016</a:t>
             </a:fld>
             <a:endParaRPr lang="en-US"/>
           </a:p>
@@ -4007,10 +3998,9 @@
               <a:defRPr/>
             </a:pPr>
             <a:r>
-              <a:rPr lang="en-US" dirty="0" smtClean="0"/>
+              <a:rPr lang="en-US" dirty="0"/>
               <a:t>TeamSTARS "tsWxGTUI_PyVx" Toolkit prepared &amp; presented by Richard S. Gordon</a:t>
             </a:r>
-            <a:endParaRPr lang="en-US" dirty="0"/>
           </a:p>
         </p:txBody>
       </p:sp>
@@ -4390,7 +4380,7 @@
           <a:p>
             <a:pPr lvl="0"/>
             <a:r>
-              <a:rPr lang="en-US" smtClean="0"/>
+              <a:rPr lang="en-US"/>
               <a:t>Click to edit Master title style</a:t>
             </a:r>
           </a:p>
@@ -4432,35 +4422,35 @@
           <a:p>
             <a:pPr lvl="0"/>
             <a:r>
-              <a:rPr lang="en-US" smtClean="0"/>
+              <a:rPr lang="en-US"/>
               <a:t>Click to edit Master text styles</a:t>
             </a:r>
           </a:p>
           <a:p>
             <a:pPr lvl="1"/>
             <a:r>
-              <a:rPr lang="en-US" smtClean="0"/>
+              <a:rPr lang="en-US"/>
               <a:t>Second level</a:t>
             </a:r>
           </a:p>
           <a:p>
             <a:pPr lvl="2"/>
             <a:r>
-              <a:rPr lang="en-US" smtClean="0"/>
+              <a:rPr lang="en-US"/>
               <a:t>Third level</a:t>
             </a:r>
           </a:p>
           <a:p>
             <a:pPr lvl="3"/>
             <a:r>
-              <a:rPr lang="en-US" smtClean="0"/>
+              <a:rPr lang="en-US"/>
               <a:t>Fourth level</a:t>
             </a:r>
           </a:p>
           <a:p>
             <a:pPr lvl="4"/>
             <a:r>
-              <a:rPr lang="en-US" smtClean="0"/>
+              <a:rPr lang="en-US"/>
               <a:t>Fifth level</a:t>
             </a:r>
           </a:p>
@@ -4510,7 +4500,7 @@
             </a:pPr>
             <a:fld id="{45A933D1-86C7-45FF-B83F-CA5ED825AD11}" type="datetime1">
               <a:rPr lang="en-US" smtClean="0"/>
-              <a:t>11/29/2015</a:t>
+              <a:t>12/23/2016</a:t>
             </a:fld>
             <a:endParaRPr lang="en-US"/>
           </a:p>
@@ -4559,10 +4549,9 @@
               <a:defRPr/>
             </a:pPr>
             <a:r>
-              <a:rPr lang="en-US" dirty="0" smtClean="0"/>
+              <a:rPr lang="en-US" dirty="0"/>
               <a:t>TeamSTARS "tsWxGTUI_PyVx" Toolkit prepared &amp; presented by Richard S. Gordon</a:t>
             </a:r>
-            <a:endParaRPr lang="en-US" dirty="0"/>
           </a:p>
         </p:txBody>
       </p:sp>
@@ -5094,10 +5083,9 @@
           <a:lstStyle/>
           <a:p>
             <a:r>
-              <a:rPr lang="en-US" dirty="0" smtClean="0"/>
+              <a:rPr lang="en-US" dirty="0"/>
               <a:t>UseCase_7_Source_Distributions</a:t>
             </a:r>
-            <a:endParaRPr lang="en-US" dirty="0"/>
           </a:p>
         </p:txBody>
       </p:sp>
@@ -5120,14 +5108,14 @@
               <a:buFont typeface="Wingdings" pitchFamily="2" charset="2"/>
               <a:buNone/>
             </a:pPr>
-            <a:endParaRPr lang="en-US" sz="2800" smtClean="0"/>
+            <a:endParaRPr lang="en-US" sz="2800"/>
           </a:p>
           <a:p>
             <a:pPr marL="0" indent="0" algn="ctr" eaLnBrk="1" hangingPunct="1">
               <a:buFont typeface="Wingdings" pitchFamily="2" charset="2"/>
               <a:buNone/>
             </a:pPr>
-            <a:endParaRPr lang="en-US" sz="2800" smtClean="0"/>
+            <a:endParaRPr lang="en-US" sz="2800"/>
           </a:p>
         </p:txBody>
       </p:sp>
@@ -5150,9 +5138,9 @@
           <a:p>
             <a:fld id="{878D0E70-D567-4EAD-BEEC-D30EFDF84A73}" type="datetime1">
               <a:rPr lang="en-US" smtClean="0"/>
-              <a:t>11/29/2015</a:t>
+              <a:t>12/23/2016</a:t>
             </a:fld>
-            <a:endParaRPr lang="en-US" smtClean="0"/>
+            <a:endParaRPr lang="en-US"/>
           </a:p>
         </p:txBody>
       </p:sp>
@@ -5208,34 +5196,32 @@
       </p:sp>
       <p:pic>
         <p:nvPicPr>
-          <p:cNvPr id="6151" name="Picture 5" descr="tsWxGTUI_PyVx Masthead"/>
+          <p:cNvPr id="3" name="Picture 2"/>
           <p:cNvPicPr>
-            <a:picLocks noChangeAspect="1" noChangeArrowheads="1"/>
+            <a:picLocks noChangeAspect="1"/>
           </p:cNvPicPr>
           <p:nvPr/>
         </p:nvPicPr>
         <p:blipFill>
-          <a:blip r:embed="rId3"/>
-          <a:srcRect/>
+          <a:blip r:embed="rId3">
+            <a:extLst>
+              <a:ext uri="{28A0092B-C50C-407E-A947-70E740481C1C}">
+                <a14:useLocalDpi xmlns:a14="http://schemas.microsoft.com/office/drawing/2010/main" val="0"/>
+              </a:ext>
+            </a:extLst>
+          </a:blip>
           <a:stretch>
             <a:fillRect/>
           </a:stretch>
         </p:blipFill>
-        <p:spPr bwMode="auto">
+        <p:spPr>
           <a:xfrm>
-            <a:off x="1524000" y="2195513"/>
-            <a:ext cx="9196388" cy="2259012"/>
+            <a:off x="555812" y="2419349"/>
+            <a:ext cx="11008659" cy="3499004"/>
           </a:xfrm>
           <a:prstGeom prst="rect">
             <a:avLst/>
           </a:prstGeom>
-          <a:noFill/>
-          <a:ln w="9525">
-            <a:noFill/>
-            <a:miter lim="800000"/>
-            <a:headEnd/>
-            <a:tailEnd/>
-          </a:ln>
         </p:spPr>
       </p:pic>
     </p:spTree>
@@ -5244,13 +5230,6 @@
     <a:masterClrMapping/>
   </p:clrMapOvr>
   <p:transition/>
-  <p:timing>
-    <p:tnLst>
-      <p:par>
-        <p:cTn id="1" dur="indefinite" restart="never" nodeType="tmRoot"/>
-      </p:par>
-    </p:tnLst>
-  </p:timing>
 </p:sld>
 </file>
 
@@ -5288,23 +5267,23 @@
           <a:p>
             <a:pPr eaLnBrk="1" hangingPunct="1"/>
             <a:r>
-              <a:rPr lang="en-US" dirty="0" smtClean="0"/>
+              <a:rPr lang="en-US" dirty="0"/>
               <a:t>Table of Contents </a:t>
             </a:r>
             <a:r>
-              <a:rPr lang="en-US" sz="2000" dirty="0" smtClean="0"/>
+              <a:rPr lang="en-US" sz="2000" dirty="0"/>
               <a:t>(</a:t>
             </a:r>
             <a:r>
-              <a:rPr lang="en-US" sz="2000" i="1" dirty="0" smtClean="0"/>
+              <a:rPr lang="en-US" sz="2000" i="1" dirty="0"/>
               <a:t>with slide show</a:t>
             </a:r>
             <a:r>
-              <a:rPr lang="en-US" sz="2000" dirty="0" smtClean="0"/>
+              <a:rPr lang="en-US" sz="2000" dirty="0"/>
               <a:t> </a:t>
             </a:r>
             <a:r>
-              <a:rPr lang="en-US" sz="2000" u="sng" dirty="0" smtClean="0">
+              <a:rPr lang="en-US" sz="2000" u="sng" dirty="0">
                 <a:solidFill>
                   <a:srgbClr val="FF0000"/>
                 </a:solidFill>
@@ -5312,7 +5291,7 @@
               <a:t>Hyperlinks</a:t>
             </a:r>
             <a:r>
-              <a:rPr lang="en-US" sz="2000" dirty="0" smtClean="0"/>
+              <a:rPr lang="en-US" sz="2000" dirty="0"/>
               <a:t>)</a:t>
             </a:r>
           </a:p>
@@ -5334,32 +5313,29 @@
           <a:lstStyle/>
           <a:p>
             <a:r>
-              <a:rPr lang="en-US" dirty="0" smtClean="0">
+              <a:rPr lang="en-US" dirty="0">
                 <a:hlinkClick r:id="rId3" action="ppaction://hlinksldjump"/>
               </a:rPr>
               <a:t>Source Code</a:t>
             </a:r>
-            <a:endParaRPr lang="en-US" dirty="0" smtClean="0"/>
-          </a:p>
-          <a:p>
-            <a:r>
-              <a:rPr lang="en-US" dirty="0" smtClean="0">
+            <a:endParaRPr lang="en-US" dirty="0"/>
+          </a:p>
+          <a:p>
+            <a:r>
+              <a:rPr lang="en-US" dirty="0">
                 <a:hlinkClick r:id="rId4" action="ppaction://hlinksldjump"/>
               </a:rPr>
               <a:t>Source Code Organization</a:t>
             </a:r>
-            <a:endParaRPr lang="en-US" dirty="0" smtClean="0"/>
-          </a:p>
-          <a:p>
-            <a:r>
-              <a:rPr lang="en-US" dirty="0" smtClean="0">
+            <a:endParaRPr lang="en-US" dirty="0"/>
+          </a:p>
+          <a:p>
+            <a:r>
+              <a:rPr lang="en-US" dirty="0">
                 <a:hlinkClick r:id="rId5" action="ppaction://hlinksldjump"/>
               </a:rPr>
               <a:t>Site-Packages</a:t>
             </a:r>
-            <a:endParaRPr lang="en-US" dirty="0">
-              <a:hlinkClick r:id="rId5" action="ppaction://hlinksldjump"/>
-            </a:endParaRPr>
           </a:p>
           <a:p>
             <a:r>
@@ -5394,9 +5370,9 @@
           <a:p>
             <a:fld id="{594743C1-DE31-4E12-9F9F-1BA9DE6E7B96}" type="datetime1">
               <a:rPr lang="en-US" smtClean="0"/>
-              <a:t>11/29/2015</a:t>
+              <a:t>12/23/2016</a:t>
             </a:fld>
-            <a:endParaRPr lang="en-US" smtClean="0"/>
+            <a:endParaRPr lang="en-US"/>
           </a:p>
         </p:txBody>
       </p:sp>
@@ -5456,13 +5432,6 @@
     <a:masterClrMapping/>
   </p:clrMapOvr>
   <p:transition/>
-  <p:timing>
-    <p:tnLst>
-      <p:par>
-        <p:cTn id="1" dur="indefinite" restart="never" nodeType="tmRoot"/>
-      </p:par>
-    </p:tnLst>
-  </p:timing>
 </p:sld>
 </file>
 
@@ -5499,10 +5468,9 @@
           <a:lstStyle/>
           <a:p>
             <a:r>
-              <a:rPr lang="en-US" dirty="0" smtClean="0"/>
+              <a:rPr lang="en-US" dirty="0"/>
               <a:t>Source Code</a:t>
             </a:r>
-            <a:endParaRPr lang="en-US" dirty="0"/>
           </a:p>
         </p:txBody>
       </p:sp>
@@ -5523,125 +5491,25 @@
           <a:p>
             <a:r>
               <a:rPr lang="en-US" sz="2400" dirty="0"/>
-              <a:t>I</a:t>
-            </a:r>
-            <a:r>
-              <a:rPr lang="en-US" sz="2400" dirty="0" smtClean="0"/>
-              <a:t>s </a:t>
-            </a:r>
+              <a:t>Is any collection of computer instructions (possibly with comments) written using some human-readable computer language, usually as text.</a:t>
+            </a:r>
+          </a:p>
+          <a:p>
             <a:r>
               <a:rPr lang="en-US" sz="2400" dirty="0"/>
-              <a:t>any collection of </a:t>
-            </a:r>
-            <a:r>
-              <a:rPr lang="en-US" sz="2400" dirty="0" smtClean="0"/>
-              <a:t>computer </a:t>
-            </a:r>
+              <a:t>Is specially designed to facilitate the work of computer programmers, who specify the actions to be performed by a computer.</a:t>
+            </a:r>
+          </a:p>
+          <a:p>
             <a:r>
               <a:rPr lang="en-US" sz="2400" dirty="0"/>
-              <a:t>instructions (possibly with comments) written using </a:t>
-            </a:r>
-            <a:r>
-              <a:rPr lang="en-US" sz="2400" dirty="0" smtClean="0"/>
-              <a:t>some human-readable </a:t>
-            </a:r>
+              <a:t>Is often transformed by a compiler program into low-level machine code understood by the computer. The machine code might then be stored   for execution at a later time.</a:t>
+            </a:r>
+          </a:p>
+          <a:p>
             <a:r>
               <a:rPr lang="en-US" sz="2400" dirty="0"/>
-              <a:t>computer language, usually as text</a:t>
-            </a:r>
-            <a:r>
-              <a:rPr lang="en-US" sz="2400" dirty="0" smtClean="0"/>
-              <a:t>.</a:t>
-            </a:r>
-          </a:p>
-          <a:p>
-            <a:r>
-              <a:rPr lang="en-US" sz="2400" dirty="0" smtClean="0"/>
-              <a:t>Is </a:t>
-            </a:r>
-            <a:r>
-              <a:rPr lang="en-US" sz="2400" dirty="0"/>
-              <a:t>specially designed to </a:t>
-            </a:r>
-            <a:r>
-              <a:rPr lang="en-US" sz="2400" dirty="0" smtClean="0"/>
-              <a:t>facilitate </a:t>
-            </a:r>
-            <a:r>
-              <a:rPr lang="en-US" sz="2400" dirty="0"/>
-              <a:t>the work of computer programmers, who specify </a:t>
-            </a:r>
-            <a:r>
-              <a:rPr lang="en-US" sz="2400" dirty="0" smtClean="0"/>
-              <a:t>the </a:t>
-            </a:r>
-            <a:r>
-              <a:rPr lang="en-US" sz="2400" dirty="0"/>
-              <a:t>actions to be performed by a </a:t>
-            </a:r>
-            <a:r>
-              <a:rPr lang="en-US" sz="2400" dirty="0" smtClean="0"/>
-              <a:t>computer.</a:t>
-            </a:r>
-          </a:p>
-          <a:p>
-            <a:r>
-              <a:rPr lang="en-US" sz="2400" dirty="0" smtClean="0"/>
-              <a:t>Is </a:t>
-            </a:r>
-            <a:r>
-              <a:rPr lang="en-US" sz="2400" dirty="0"/>
-              <a:t>often transformed by </a:t>
-            </a:r>
-            <a:r>
-              <a:rPr lang="en-US" sz="2400" dirty="0" smtClean="0"/>
-              <a:t>a </a:t>
-            </a:r>
-            <a:r>
-              <a:rPr lang="en-US" sz="2400" dirty="0"/>
-              <a:t>compiler program into low-level machine code </a:t>
-            </a:r>
-            <a:r>
-              <a:rPr lang="en-US" sz="2400" dirty="0" smtClean="0"/>
-              <a:t>understood </a:t>
-            </a:r>
-            <a:r>
-              <a:rPr lang="en-US" sz="2400" dirty="0"/>
-              <a:t>by the computer. The machine code might then be stored   for execution at a later time</a:t>
-            </a:r>
-            <a:r>
-              <a:rPr lang="en-US" sz="2400" dirty="0" smtClean="0"/>
-              <a:t>.</a:t>
-            </a:r>
-          </a:p>
-          <a:p>
-            <a:r>
-              <a:rPr lang="en-US" sz="2400" dirty="0" smtClean="0"/>
-              <a:t>Alternatively</a:t>
-            </a:r>
-            <a:r>
-              <a:rPr lang="en-US" sz="2400" dirty="0"/>
-              <a:t>, an </a:t>
-            </a:r>
-            <a:r>
-              <a:rPr lang="en-US" sz="2400" dirty="0" smtClean="0"/>
-              <a:t>interpreter (such as the ones for the Python 2x and Python 3x languages) can </a:t>
-            </a:r>
-            <a:r>
-              <a:rPr lang="en-US" sz="2400" dirty="0"/>
-              <a:t>be used to analyze and perform the outcomes </a:t>
-            </a:r>
-            <a:r>
-              <a:rPr lang="en-US" sz="2400" dirty="0" smtClean="0"/>
-              <a:t>of </a:t>
-            </a:r>
-            <a:r>
-              <a:rPr lang="en-US" sz="2400" dirty="0"/>
-              <a:t>the source code program directly on the fly</a:t>
-            </a:r>
-            <a:r>
-              <a:rPr lang="en-US" sz="2400" dirty="0" smtClean="0"/>
-              <a:t>.</a:t>
+              <a:t>Alternatively, an interpreter (such as the ones for the Python 2x and Python 3x languages) can be used to analyze and perform the outcomes of the source code program directly on the fly.</a:t>
             </a:r>
             <a:endParaRPr lang="en-US" dirty="0"/>
           </a:p>
@@ -5667,7 +5535,7 @@
             </a:pPr>
             <a:fld id="{65B11A62-63AA-4067-ACEB-AA6A42CE3A38}" type="datetime1">
               <a:rPr lang="en-US" smtClean="0"/>
-              <a:t>11/29/2015</a:t>
+              <a:t>12/23/2016</a:t>
             </a:fld>
             <a:endParaRPr lang="en-US"/>
           </a:p>
@@ -5692,7 +5560,7 @@
               <a:defRPr/>
             </a:pPr>
             <a:r>
-              <a:rPr lang="en-US" smtClean="0"/>
+              <a:rPr lang="en-US"/>
               <a:t>TeamSTARS "tsWxGTUI_PyVx" Toolkit prepared &amp; presented by Richard S. Gordon</a:t>
             </a:r>
             <a:endParaRPr lang="en-US" dirty="0"/>
@@ -5769,10 +5637,9 @@
           <a:lstStyle/>
           <a:p>
             <a:r>
-              <a:rPr lang="en-US" dirty="0" smtClean="0"/>
+              <a:rPr lang="en-US" dirty="0"/>
               <a:t>Source Code Organization</a:t>
             </a:r>
-            <a:endParaRPr lang="en-US" dirty="0"/>
           </a:p>
         </p:txBody>
       </p:sp>
@@ -5792,36 +5659,27 @@
           <a:lstStyle/>
           <a:p>
             <a:r>
-              <a:rPr lang="en-US" sz="2400" dirty="0" smtClean="0"/>
+              <a:rPr lang="en-US" sz="2400" dirty="0"/>
               <a:t>Small, simple computer programs may be contained within a single file.</a:t>
             </a:r>
           </a:p>
           <a:p>
             <a:r>
-              <a:rPr lang="en-US" sz="2400" dirty="0" smtClean="0"/>
+              <a:rPr lang="en-US" sz="2400" dirty="0"/>
               <a:t>To facilitate development, testing and maintenance, larger, more complex computer programs are typically subdivided into smaller files within a common directory.</a:t>
             </a:r>
           </a:p>
           <a:p>
             <a:r>
-              <a:rPr lang="en-US" sz="2400" dirty="0" smtClean="0"/>
-              <a:t>General purpose, re-usable files are grouped together,</a:t>
-            </a:r>
-            <a:r>
               <a:rPr lang="en-US" sz="2400" dirty="0"/>
-              <a:t> by commonality of function and </a:t>
-            </a:r>
-            <a:r>
-              <a:rPr lang="en-US" sz="2400" dirty="0" smtClean="0"/>
-              <a:t>interface, into a building-block library directory.</a:t>
-            </a:r>
-          </a:p>
-          <a:p>
-            <a:r>
-              <a:rPr lang="en-US" sz="2400" dirty="0" smtClean="0"/>
+              <a:t>General purpose, re-usable files are grouped together, by commonality of function and interface, into a building-block library directory.</a:t>
+            </a:r>
+          </a:p>
+          <a:p>
+            <a:r>
+              <a:rPr lang="en-US" sz="2400" dirty="0"/>
               <a:t>A larger, more complex system may organize building-block libraries, tests, examples and tutorials  into separate directories and/or subdirectories.</a:t>
             </a:r>
-            <a:endParaRPr lang="en-US" sz="2400" dirty="0"/>
           </a:p>
         </p:txBody>
       </p:sp>
@@ -5845,7 +5703,7 @@
             </a:pPr>
             <a:fld id="{65B11A62-63AA-4067-ACEB-AA6A42CE3A38}" type="datetime1">
               <a:rPr lang="en-US" smtClean="0"/>
-              <a:t>11/29/2015</a:t>
+              <a:t>12/23/2016</a:t>
             </a:fld>
             <a:endParaRPr lang="en-US"/>
           </a:p>
@@ -5870,19 +5728,19 @@
               <a:defRPr/>
             </a:pPr>
             <a:r>
-              <a:rPr lang="en-US" dirty="0" err="1" smtClean="0"/>
+              <a:rPr lang="en-US" dirty="0" err="1"/>
               <a:t>TeamSTARS</a:t>
             </a:r>
             <a:r>
-              <a:rPr lang="en-US" dirty="0" smtClean="0"/>
+              <a:rPr lang="en-US" dirty="0"/>
               <a:t> "</a:t>
             </a:r>
             <a:r>
-              <a:rPr lang="en-US" dirty="0" err="1" smtClean="0"/>
+              <a:rPr lang="en-US" dirty="0" err="1"/>
               <a:t>tsWxGTUI_PyVx</a:t>
             </a:r>
             <a:r>
-              <a:rPr lang="en-US" dirty="0" smtClean="0"/>
+              <a:rPr lang="en-US" dirty="0"/>
               <a:t>" Toolkit prepare.</a:t>
             </a:r>
           </a:p>
@@ -5897,28 +5755,27 @@
               <a:defRPr/>
             </a:pPr>
             <a:r>
-              <a:rPr lang="en-US" dirty="0" smtClean="0"/>
+              <a:rPr lang="en-US" dirty="0"/>
               <a:t>d &amp; </a:t>
             </a:r>
             <a:r>
-              <a:rPr lang="en-US" dirty="0" err="1" smtClean="0"/>
+              <a:rPr lang="en-US" dirty="0" err="1"/>
               <a:t>pr</a:t>
             </a:r>
-            <a:endParaRPr lang="en-US" dirty="0" smtClean="0"/>
+            <a:endParaRPr lang="en-US" dirty="0"/>
           </a:p>
           <a:p>
             <a:pPr>
               <a:defRPr/>
             </a:pPr>
             <a:r>
-              <a:rPr lang="en-US" dirty="0" err="1" smtClean="0"/>
+              <a:rPr lang="en-US" dirty="0" err="1"/>
               <a:t>esented</a:t>
             </a:r>
             <a:r>
-              <a:rPr lang="en-US" dirty="0" smtClean="0"/>
+              <a:rPr lang="en-US" dirty="0"/>
               <a:t> by Richard S. Gordon</a:t>
             </a:r>
-            <a:endParaRPr lang="en-US" dirty="0"/>
           </a:p>
         </p:txBody>
       </p:sp>
@@ -5956,13 +5813,6 @@
   <p:clrMapOvr>
     <a:masterClrMapping/>
   </p:clrMapOvr>
-  <p:timing>
-    <p:tnLst>
-      <p:par>
-        <p:cTn id="1" dur="indefinite" restart="never" nodeType="tmRoot"/>
-      </p:par>
-    </p:tnLst>
-  </p:timing>
 </p:sld>
 </file>
 
@@ -6000,17 +5850,17 @@
           <a:p>
             <a:pPr eaLnBrk="1" hangingPunct="1"/>
             <a:r>
-              <a:rPr lang="en-US" sz="5400" dirty="0" smtClean="0"/>
+              <a:rPr lang="en-US" sz="5400" dirty="0"/>
               <a:t>Site-Packages (</a:t>
             </a:r>
             <a:r>
-              <a:rPr lang="en-US" sz="5400" dirty="0" smtClean="0">
+              <a:rPr lang="en-US" sz="5400" dirty="0">
                 <a:hlinkClick r:id="rId3"/>
               </a:rPr>
               <a:t>full listing</a:t>
             </a:r>
             <a:r>
-              <a:rPr lang="en-US" sz="5400" dirty="0" smtClean="0"/>
+              <a:rPr lang="en-US" sz="5400" dirty="0"/>
               <a:t>) </a:t>
             </a:r>
             <a:r>
@@ -6024,10 +5874,10 @@
               <a:t>Table of Contents</a:t>
             </a:r>
             <a:r>
-              <a:rPr lang="en-US" sz="2000" dirty="0" smtClean="0"/>
+              <a:rPr lang="en-US" sz="2000" dirty="0"/>
               <a:t>)</a:t>
             </a:r>
-            <a:endParaRPr lang="en-US" sz="3200" dirty="0" smtClean="0"/>
+            <a:endParaRPr lang="en-US" sz="3200" dirty="0"/>
           </a:p>
         </p:txBody>
       </p:sp>
@@ -6052,32 +5902,8 @@
               </a:lnSpc>
             </a:pPr>
             <a:r>
-              <a:rPr lang="en-US" sz="1800" dirty="0" smtClean="0"/>
-              <a:t>Site-Packages are </a:t>
-            </a:r>
-            <a:r>
               <a:rPr lang="en-US" sz="1800" dirty="0"/>
-              <a:t>the location where </a:t>
-            </a:r>
-            <a:r>
-              <a:rPr lang="en-US" sz="1800" dirty="0" smtClean="0"/>
-              <a:t>third-party </a:t>
-            </a:r>
-            <a:r>
-              <a:rPr lang="en-US" sz="1800" dirty="0"/>
-              <a:t>packages are installed (i.e., </a:t>
-            </a:r>
-            <a:r>
-              <a:rPr lang="en-US" sz="1800" dirty="0" smtClean="0"/>
-              <a:t>those not </a:t>
-            </a:r>
-            <a:r>
-              <a:rPr lang="en-US" sz="1800" dirty="0"/>
-              <a:t>part of the core Python distribution</a:t>
-            </a:r>
-            <a:r>
-              <a:rPr lang="en-US" sz="1800" dirty="0" smtClean="0"/>
-              <a:t>).</a:t>
+              <a:t>Site-Packages are the location where third-party packages are installed (i.e., those not part of the core Python distribution).</a:t>
             </a:r>
           </a:p>
           <a:p>
@@ -6087,7 +5913,7 @@
               </a:lnSpc>
             </a:pPr>
             <a:r>
-              <a:rPr lang="en-US" sz="1600" dirty="0" smtClean="0"/>
+              <a:rPr lang="en-US" sz="1600" dirty="0"/>
               <a:t>A Site-Package can only be used with those Python versions for which it has been explicitly installed.</a:t>
             </a:r>
           </a:p>
@@ -6098,27 +5924,11 @@
               </a:lnSpc>
             </a:pPr>
             <a:r>
-              <a:rPr lang="en-US" sz="1600" dirty="0" smtClean="0"/>
-              <a:t>For </a:t>
-            </a:r>
-            <a:r>
               <a:rPr lang="en-US" sz="1600" dirty="0"/>
-              <a:t>Linux, Mac OS X and Unix operating systems, one must have </a:t>
-            </a:r>
-            <a:r>
-              <a:rPr lang="en-US" sz="1600" dirty="0" smtClean="0"/>
-              <a:t>“root” or administrator </a:t>
-            </a:r>
-            <a:r>
-              <a:rPr lang="en-US" sz="1600" dirty="0"/>
-              <a:t>privileges to write to </a:t>
-            </a:r>
-            <a:r>
-              <a:rPr lang="en-US" sz="1600" dirty="0" smtClean="0"/>
-              <a:t>the install location</a:t>
-            </a:r>
-            <a:r>
-              <a:rPr lang="en-US" sz="1400" dirty="0" smtClean="0"/>
+              <a:t>For Linux, Mac OS X and Unix operating systems, one must have “root” or administrator privileges to write to the install location</a:t>
+            </a:r>
+            <a:r>
+              <a:rPr lang="en-US" sz="1400" dirty="0"/>
               <a:t>.</a:t>
             </a:r>
           </a:p>
@@ -6129,7 +5939,7 @@
               </a:lnSpc>
             </a:pPr>
             <a:r>
-              <a:rPr lang="en-US" sz="1800" dirty="0" smtClean="0"/>
+              <a:rPr lang="en-US" sz="1800" dirty="0"/>
               <a:t>To facilitate application software development and deployment, Site-Packages:</a:t>
             </a:r>
           </a:p>
@@ -6140,7 +5950,7 @@
               </a:lnSpc>
             </a:pPr>
             <a:r>
-              <a:rPr lang="en-US" sz="1600" dirty="0" smtClean="0"/>
+              <a:rPr lang="en-US" sz="1600" dirty="0"/>
               <a:t>Organize source code into a single layer set of subdirectories within the Site-Package directory.</a:t>
             </a:r>
           </a:p>
@@ -6151,7 +5961,7 @@
               </a:lnSpc>
             </a:pPr>
             <a:r>
-              <a:rPr lang="en-US" sz="1600" dirty="0" smtClean="0"/>
+              <a:rPr lang="en-US" sz="1600" dirty="0"/>
               <a:t>Import modules, via static Site-Package directory relative path specifications.</a:t>
             </a:r>
           </a:p>
@@ -6161,7 +5971,7 @@
                 <a:spcPct val="80000"/>
               </a:lnSpc>
             </a:pPr>
-            <a:endParaRPr lang="en-US" sz="2000" dirty="0" smtClean="0"/>
+            <a:endParaRPr lang="en-US" sz="2000" dirty="0"/>
           </a:p>
         </p:txBody>
       </p:sp>
@@ -6190,24 +6000,12 @@
               <a:t>Default Python Example</a:t>
             </a:r>
             <a:r>
-              <a:rPr lang="en-US" sz="1800" dirty="0" smtClean="0"/>
+              <a:rPr lang="en-US" sz="1800" dirty="0"/>
               <a:t>: </a:t>
             </a:r>
             <a:r>
-              <a:rPr lang="en-US" sz="1600" dirty="0" smtClean="0"/>
-              <a:t>A </a:t>
-            </a:r>
-            <a:r>
               <a:rPr lang="en-US" sz="1600" dirty="0"/>
-              <a:t>Site-Package, installed for use </a:t>
-            </a:r>
-            <a:r>
-              <a:rPr lang="en-US" sz="1600" dirty="0" smtClean="0"/>
-              <a:t>with the platform’s default </a:t>
-            </a:r>
-            <a:r>
-              <a:rPr lang="en-US" sz="1600" dirty="0"/>
-              <a:t>Python must be installed via</a:t>
+              <a:t>A Site-Package, installed for use with the platform’s default Python must be installed via</a:t>
             </a:r>
           </a:p>
           <a:p>
@@ -6220,7 +6018,7 @@
               <a:rPr lang="en-US" sz="1800" dirty="0"/>
               <a:t>“python setup.py install” </a:t>
             </a:r>
-            <a:endParaRPr lang="en-US" sz="1800" b="1" dirty="0" smtClean="0"/>
+            <a:endParaRPr lang="en-US" sz="1800" b="1" dirty="0"/>
           </a:p>
           <a:p>
             <a:pPr eaLnBrk="1" hangingPunct="1">
@@ -6229,36 +6027,16 @@
               </a:lnSpc>
             </a:pPr>
             <a:r>
-              <a:rPr lang="en-US" sz="1800" b="1" dirty="0" smtClean="0"/>
-              <a:t>Optional Python </a:t>
-            </a:r>
-            <a:r>
               <a:rPr lang="en-US" sz="1800" b="1" dirty="0"/>
-              <a:t>2x </a:t>
-            </a:r>
-            <a:r>
-              <a:rPr lang="en-US" sz="1800" b="1" dirty="0" smtClean="0"/>
-              <a:t>Example</a:t>
-            </a:r>
-            <a:r>
-              <a:rPr lang="en-US" sz="1800" dirty="0" smtClean="0"/>
+              <a:t>Optional Python 2x Example</a:t>
+            </a:r>
+            <a:r>
+              <a:rPr lang="en-US" sz="1800" dirty="0"/>
               <a:t>: </a:t>
             </a:r>
             <a:r>
-              <a:rPr lang="en-US" sz="1600" dirty="0" smtClean="0"/>
-              <a:t>A </a:t>
-            </a:r>
-            <a:r>
               <a:rPr lang="en-US" sz="1600" dirty="0"/>
-              <a:t>Site-Package, installed for use with the </a:t>
-            </a:r>
-            <a:r>
-              <a:rPr lang="en-US" sz="1600" dirty="0" smtClean="0"/>
-              <a:t>platform’s add-on Python </a:t>
-            </a:r>
-            <a:r>
-              <a:rPr lang="en-US" sz="1600" dirty="0"/>
-              <a:t>2.7.10 must be installed via</a:t>
+              <a:t>A Site-Package, installed for use with the platform’s add-on Python 2.7.10 must be installed via</a:t>
             </a:r>
           </a:p>
           <a:p>
@@ -6275,7 +6053,7 @@
               <a:rPr lang="en-US" sz="1800"/>
               <a:t>” </a:t>
             </a:r>
-            <a:endParaRPr lang="en-US" sz="1800" b="1" dirty="0" smtClean="0"/>
+            <a:endParaRPr lang="en-US" sz="1800" b="1" dirty="0"/>
           </a:p>
           <a:p>
             <a:pPr eaLnBrk="1" hangingPunct="1">
@@ -6284,44 +6062,16 @@
               </a:lnSpc>
             </a:pPr>
             <a:r>
-              <a:rPr lang="en-US" sz="1800" b="1" dirty="0" smtClean="0"/>
-              <a:t>Optional Python </a:t>
-            </a:r>
-            <a:r>
               <a:rPr lang="en-US" sz="1800" b="1" dirty="0"/>
-              <a:t>3x </a:t>
-            </a:r>
-            <a:r>
-              <a:rPr lang="en-US" sz="1800" b="1" dirty="0" smtClean="0"/>
-              <a:t>Example</a:t>
-            </a:r>
-            <a:r>
-              <a:rPr lang="en-US" sz="1800" dirty="0" smtClean="0"/>
+              <a:t>Optional Python 3x Example</a:t>
+            </a:r>
+            <a:r>
+              <a:rPr lang="en-US" sz="1800" dirty="0"/>
               <a:t>: </a:t>
             </a:r>
             <a:r>
-              <a:rPr lang="en-US" sz="1600" dirty="0" smtClean="0"/>
-              <a:t>A </a:t>
-            </a:r>
-            <a:r>
               <a:rPr lang="en-US" sz="1600" dirty="0"/>
-              <a:t>Site-Package, installed for use with the </a:t>
-            </a:r>
-            <a:r>
-              <a:rPr lang="en-US" sz="1600" dirty="0" smtClean="0"/>
-              <a:t>platform’s </a:t>
-            </a:r>
-            <a:r>
-              <a:rPr lang="en-US" sz="1600" dirty="0"/>
-              <a:t>add-on </a:t>
-            </a:r>
-            <a:r>
-              <a:rPr lang="en-US" sz="1600" dirty="0" smtClean="0"/>
-              <a:t>Python </a:t>
-            </a:r>
-            <a:r>
-              <a:rPr lang="en-US" sz="1600" dirty="0"/>
-              <a:t>3.5.0 must be installed via</a:t>
+              <a:t>A Site-Package, installed for use with the platform’s add-on Python 3.5.0 must be installed via</a:t>
             </a:r>
           </a:p>
           <a:p>
@@ -6332,13 +6082,8 @@
             </a:pPr>
             <a:r>
               <a:rPr lang="en-US" sz="1800" dirty="0"/>
-              <a:t>“python3.5.0 setup.py </a:t>
-            </a:r>
-            <a:r>
-              <a:rPr lang="en-US" sz="1800" dirty="0" smtClean="0"/>
-              <a:t>install</a:t>
-            </a:r>
-            <a:endParaRPr lang="en-US" sz="1800" dirty="0"/>
+              <a:t>“python3.5.0 setup.py install</a:t>
+            </a:r>
           </a:p>
         </p:txBody>
       </p:sp>
@@ -6361,10 +6106,10 @@
           <a:p>
             <a:fld id="{2304A905-ED1A-4633-88B3-7A6C464DC1BC}" type="datetime1">
               <a:rPr lang="en-US" smtClean="0"/>
-              <a:t>11/29/2015</a:t>
+              <a:t>12/23/2016</a:t>
             </a:fld>
             <a:r>
-              <a:rPr lang="en-US" dirty="0" smtClean="0"/>
+              <a:rPr lang="en-US" dirty="0"/>
               <a:t>Site-Package directory</a:t>
             </a:r>
           </a:p>
@@ -6388,7 +6133,7 @@
           <a:lstStyle/>
           <a:p>
             <a:r>
-              <a:rPr lang="en-US" dirty="0" smtClean="0"/>
+              <a:rPr lang="en-US" dirty="0"/>
               <a:t>TeamSTARS "tsWxGTUI_PyVx" Toolkit prepared &amp; presented by Richard S. Gordon</a:t>
             </a:r>
           </a:p>
@@ -6431,13 +6176,6 @@
     <a:masterClrMapping/>
   </p:clrMapOvr>
   <p:transition/>
-  <p:timing>
-    <p:tnLst>
-      <p:par>
-        <p:cTn id="1" dur="indefinite" restart="never" nodeType="tmRoot"/>
-      </p:par>
-    </p:tnLst>
-  </p:timing>
 </p:sld>
 </file>
 
@@ -6474,21 +6212,21 @@
           <a:lstStyle/>
           <a:p>
             <a:r>
-              <a:rPr lang="en-US" sz="5400" dirty="0" smtClean="0"/>
+              <a:rPr lang="en-US" sz="5400" dirty="0"/>
               <a:t>Developer-Sandboxes (</a:t>
             </a:r>
             <a:r>
-              <a:rPr lang="en-US" sz="5400" dirty="0" smtClean="0">
+              <a:rPr lang="en-US" sz="5400" dirty="0">
                 <a:hlinkClick r:id="rId3"/>
               </a:rPr>
               <a:t>full listing</a:t>
             </a:r>
             <a:r>
-              <a:rPr lang="en-US" sz="5400" dirty="0" smtClean="0"/>
+              <a:rPr lang="en-US" sz="5400" dirty="0"/>
               <a:t>)</a:t>
             </a:r>
             <a:r>
-              <a:rPr lang="en-US" dirty="0" smtClean="0"/>
+              <a:rPr lang="en-US" dirty="0"/>
               <a:t> </a:t>
             </a:r>
             <a:r>
@@ -6502,10 +6240,10 @@
               <a:t>Table of Contents</a:t>
             </a:r>
             <a:r>
-              <a:rPr lang="en-US" sz="2000" dirty="0" smtClean="0"/>
+              <a:rPr lang="en-US" sz="2000" dirty="0"/>
               <a:t>)</a:t>
             </a:r>
-            <a:endParaRPr lang="en-US" sz="3200" dirty="0" smtClean="0"/>
+            <a:endParaRPr lang="en-US" sz="3200" dirty="0"/>
           </a:p>
         </p:txBody>
       </p:sp>
@@ -6525,12 +6263,8 @@
           <a:lstStyle/>
           <a:p>
             <a:r>
-              <a:rPr lang="en-US" sz="2000" dirty="0" smtClean="0"/>
-              <a:t>A </a:t>
-            </a:r>
-            <a:r>
               <a:rPr lang="en-US" sz="2000" dirty="0"/>
-              <a:t>Developer-Sandbox is a testing environment that isolates untested code changes and outright experimentation from the production (Site-Package) environment or repository.</a:t>
+              <a:t>A Developer-Sandbox is a testing environment that isolates untested code changes and outright experimentation from the production (Site-Package) environment or repository.</a:t>
             </a:r>
           </a:p>
           <a:p>
@@ -6609,13 +6343,8 @@
             </a:pPr>
             <a:r>
               <a:rPr lang="en-US" sz="1800" dirty="0"/>
-              <a:t>Import modules, within try-except blocks, via dynamic multi-level nested path specifications</a:t>
-            </a:r>
-            <a:r>
-              <a:rPr lang="en-US" sz="1800" dirty="0" smtClean="0"/>
-              <a:t>.</a:t>
-            </a:r>
-            <a:endParaRPr lang="en-US" sz="1800" dirty="0"/>
+              <a:t>Import modules, within try-except blocks, via dynamic multi-level nested path specifications.</a:t>
+            </a:r>
           </a:p>
         </p:txBody>
       </p:sp>
@@ -6638,9 +6367,9 @@
           <a:p>
             <a:fld id="{2304A905-ED1A-4633-88B3-7A6C464DC1BC}" type="datetime1">
               <a:rPr lang="en-US" smtClean="0"/>
-              <a:t>11/29/2015</a:t>
+              <a:t>12/23/2016</a:t>
             </a:fld>
-            <a:endParaRPr lang="en-US" dirty="0" smtClean="0"/>
+            <a:endParaRPr lang="en-US" dirty="0"/>
           </a:p>
         </p:txBody>
       </p:sp>
@@ -6662,7 +6391,7 @@
           <a:lstStyle/>
           <a:p>
             <a:r>
-              <a:rPr lang="en-US" dirty="0" smtClean="0"/>
+              <a:rPr lang="en-US" dirty="0"/>
               <a:t>TeamSTARS "tsWxGTUI_PyVx" Toolkit prepared &amp; presented by Richard S. Gordon</a:t>
             </a:r>
           </a:p>
@@ -6705,13 +6434,6 @@
     <a:masterClrMapping/>
   </p:clrMapOvr>
   <p:transition/>
-  <p:timing>
-    <p:tnLst>
-      <p:par>
-        <p:cTn id="1" dur="indefinite" restart="never" nodeType="tmRoot"/>
-      </p:par>
-    </p:tnLst>
-  </p:timing>
 </p:sld>
 </file>
 
@@ -6749,13 +6471,8 @@
           <a:p>
             <a:r>
               <a:rPr lang="en-US" dirty="0"/>
-              <a:t>Directory Structure (example</a:t>
-            </a:r>
-            <a:r>
-              <a:rPr lang="en-US" dirty="0" smtClean="0"/>
-              <a:t>):</a:t>
-            </a:r>
-            <a:endParaRPr lang="en-US" dirty="0"/>
+              <a:t>Directory Structure (example):</a:t>
+            </a:r>
           </a:p>
         </p:txBody>
       </p:sp>
@@ -6778,7 +6495,7 @@
               <a:buNone/>
             </a:pPr>
             <a:r>
-              <a:rPr lang="en-US" sz="1000" dirty="0" smtClean="0"/>
+              <a:rPr lang="en-US" sz="1000" dirty="0"/>
               <a:t>  </a:t>
             </a:r>
             <a:r>
@@ -6787,15 +6504,7 @@
             </a:r>
             <a:r>
               <a:rPr lang="en-US" sz="1000" dirty="0"/>
-              <a:t>/ # Package for imported library building </a:t>
-            </a:r>
-            <a:r>
-              <a:rPr lang="en-US" sz="1000" dirty="0" smtClean="0"/>
-              <a:t>blocks </a:t>
-            </a:r>
-            <a:r>
-              <a:rPr lang="en-US" sz="1000" dirty="0"/>
-              <a:t>and associated non-imported test applications</a:t>
+              <a:t>/ # Package for imported library building blocks and associated non-imported test applications</a:t>
             </a:r>
           </a:p>
           <a:p>
@@ -7029,7 +6738,7 @@
               <a:t>    </a:t>
             </a:r>
             <a:r>
-              <a:rPr lang="en-US" sz="1000" dirty="0" err="1" smtClean="0"/>
+              <a:rPr lang="en-US" sz="1000" dirty="0" err="1"/>
               <a:t>tsReportUtilityPkg</a:t>
             </a:r>
             <a:endParaRPr lang="en-US" sz="1000" dirty="0"/>
@@ -7056,7 +6765,7 @@
             </a:pPr>
             <a:fld id="{65B11A62-63AA-4067-ACEB-AA6A42CE3A38}" type="datetime1">
               <a:rPr lang="en-US" smtClean="0"/>
-              <a:t>11/29/2015</a:t>
+              <a:t>12/23/2016</a:t>
             </a:fld>
             <a:endParaRPr lang="en-US"/>
           </a:p>
@@ -7081,7 +6790,7 @@
               <a:defRPr/>
             </a:pPr>
             <a:r>
-              <a:rPr lang="en-US" smtClean="0"/>
+              <a:rPr lang="en-US"/>
               <a:t>TeamSTARS "tsWxGTUI_PyVx" Toolkit prepared &amp; presented by Richard S. Gordon</a:t>
             </a:r>
             <a:endParaRPr lang="en-US" dirty="0"/>
@@ -7159,21 +6868,8 @@
           <a:p>
             <a:r>
               <a:rPr lang="en-US" dirty="0"/>
-              <a:t>Dynamic </a:t>
-            </a:r>
-            <a:r>
-              <a:rPr lang="en-US" dirty="0" smtClean="0"/>
-              <a:t>Import </a:t>
-            </a:r>
-            <a:r>
-              <a:rPr lang="en-US" dirty="0"/>
-              <a:t>(</a:t>
-            </a:r>
-            <a:r>
-              <a:rPr lang="en-US" dirty="0" smtClean="0"/>
-              <a:t>example)</a:t>
-            </a:r>
-            <a:endParaRPr lang="en-US" dirty="0"/>
+              <a:t>Dynamic Import (example)</a:t>
+            </a:r>
           </a:p>
         </p:txBody>
       </p:sp>
@@ -7197,67 +6893,31 @@
             </a:pPr>
             <a:r>
               <a:rPr lang="en-US" sz="1200" dirty="0"/>
-              <a:t>Source Code, Tests, Tools and Utilities for users </a:t>
-            </a:r>
-            <a:r>
-              <a:rPr lang="en-US" sz="1200" dirty="0" smtClean="0"/>
-              <a:t>of the </a:t>
-            </a:r>
+              <a:t>Source Code, Tests, Tools and Utilities for users of the second generation language, Python 2.0.0-2.7.9.</a:t>
+            </a:r>
+          </a:p>
+          <a:p>
+            <a:pPr marL="0" indent="0">
+              <a:buNone/>
+            </a:pPr>
             <a:r>
               <a:rPr lang="en-US" sz="1200" dirty="0"/>
-              <a:t>second generation language, Python 2.0.0-2.7.9.</a:t>
+              <a:t>This version uses a dynamic import mechanism, suitable for nested multi-level packages, in which each application and building block module:</a:t>
             </a:r>
           </a:p>
           <a:p>
             <a:pPr marL="0" indent="0">
               <a:buNone/>
             </a:pPr>
-            <a:r>
-              <a:rPr lang="en-US" sz="1200" dirty="0" smtClean="0"/>
-              <a:t>This </a:t>
-            </a:r>
+            <a:endParaRPr lang="en-US" sz="1200" dirty="0"/>
+          </a:p>
+          <a:p>
+            <a:pPr marL="0" indent="0">
+              <a:buNone/>
+            </a:pPr>
             <a:r>
               <a:rPr lang="en-US" sz="1200" dirty="0"/>
-              <a:t>version uses a dynamic import mechanism, </a:t>
-            </a:r>
-            <a:r>
-              <a:rPr lang="en-US" sz="1200" dirty="0" smtClean="0"/>
-              <a:t>suitable for </a:t>
-            </a:r>
-            <a:r>
-              <a:rPr lang="en-US" sz="1200" dirty="0"/>
-              <a:t>nested multi-level packages, in which each </a:t>
-            </a:r>
-            <a:r>
-              <a:rPr lang="en-US" sz="1200" dirty="0" smtClean="0"/>
-              <a:t>application </a:t>
-            </a:r>
-            <a:r>
-              <a:rPr lang="en-US" sz="1200" dirty="0"/>
-              <a:t>and building block module:</a:t>
-            </a:r>
-          </a:p>
-          <a:p>
-            <a:pPr marL="0" indent="0">
-              <a:buNone/>
-            </a:pPr>
-            <a:endParaRPr lang="en-US" sz="1200" dirty="0"/>
-          </a:p>
-          <a:p>
-            <a:pPr marL="0" indent="0">
-              <a:buNone/>
-            </a:pPr>
-            <a:r>
-              <a:rPr lang="en-US" sz="1200" dirty="0"/>
-              <a:t>a) imports required library packages simply by name</a:t>
-            </a:r>
-            <a:r>
-              <a:rPr lang="en-US" sz="1200" dirty="0" smtClean="0"/>
-              <a:t>. Examples</a:t>
-            </a:r>
-            <a:r>
-              <a:rPr lang="en-US" sz="1200" dirty="0"/>
-              <a:t>:</a:t>
+              <a:t>a) imports required library packages simply by name. Examples:</a:t>
             </a:r>
           </a:p>
           <a:p>
@@ -7306,15 +6966,7 @@
             </a:pPr>
             <a:r>
               <a:rPr lang="en-US" sz="1200" dirty="0"/>
-              <a:t>b) imports required building block modules, and </a:t>
-            </a:r>
-            <a:r>
-              <a:rPr lang="en-US" sz="1200" dirty="0" smtClean="0"/>
-              <a:t>defines optional </a:t>
-            </a:r>
-            <a:r>
-              <a:rPr lang="en-US" sz="1200" dirty="0"/>
-              <a:t>aliases, simply by name. Examples:</a:t>
+              <a:t>b) imports required building block modules, and defines optional aliases, simply by name. Examples:</a:t>
             </a:r>
           </a:p>
           <a:p>
@@ -7423,29 +7075,8 @@
             </a:pPr>
             <a:r>
               <a:rPr lang="en-US" sz="1200" dirty="0"/>
-              <a:t>c) </a:t>
-            </a:r>
-            <a:r>
-              <a:rPr lang="en-US" sz="1200" dirty="0" smtClean="0"/>
-              <a:t>Library </a:t>
-            </a:r>
-            <a:r>
-              <a:rPr lang="en-US" sz="1200" dirty="0"/>
-              <a:t>package "__init__.py" modules </a:t>
-            </a:r>
-            <a:r>
-              <a:rPr lang="en-US" sz="1200" dirty="0" smtClean="0"/>
-              <a:t>dynamically construct </a:t>
-            </a:r>
-            <a:r>
-              <a:rPr lang="en-US" sz="1200" dirty="0"/>
-              <a:t>any associated full paths</a:t>
-            </a:r>
-            <a:r>
-              <a:rPr lang="en-US" sz="1200" dirty="0" smtClean="0"/>
-              <a:t>.</a:t>
-            </a:r>
-            <a:endParaRPr lang="en-US" sz="1200" dirty="0"/>
+              <a:t>c) Library package "__init__.py" modules dynamically construct any associated full paths.</a:t>
+            </a:r>
           </a:p>
         </p:txBody>
       </p:sp>
@@ -7469,7 +7100,7 @@
             </a:pPr>
             <a:fld id="{65B11A62-63AA-4067-ACEB-AA6A42CE3A38}" type="datetime1">
               <a:rPr lang="en-US" smtClean="0"/>
-              <a:t>11/29/2015</a:t>
+              <a:t>12/23/2016</a:t>
             </a:fld>
             <a:endParaRPr lang="en-US"/>
           </a:p>
@@ -7494,7 +7125,7 @@
               <a:defRPr/>
             </a:pPr>
             <a:r>
-              <a:rPr lang="en-US" smtClean="0"/>
+              <a:rPr lang="en-US"/>
               <a:t>TeamSTARS "tsWxGTUI_PyVx" Toolkit prepared &amp; presented by Richard S. Gordon</a:t>
             </a:r>
             <a:endParaRPr lang="en-US" dirty="0"/>
